--- a/Mortality_project.pptx
+++ b/Mortality_project.pptx
@@ -5,25 +5,28 @@
     <p:sldMasterId id="2147483659" r:id="rId1"/>
   </p:sldMasterIdLst>
   <p:notesMasterIdLst>
-    <p:notesMasterId r:id="rId8"/>
+    <p:notesMasterId r:id="rId11"/>
   </p:notesMasterIdLst>
   <p:sldIdLst>
     <p:sldId id="256" r:id="rId2"/>
     <p:sldId id="257" r:id="rId3"/>
-    <p:sldId id="264" r:id="rId4"/>
-    <p:sldId id="266" r:id="rId5"/>
-    <p:sldId id="268" r:id="rId6"/>
-    <p:sldId id="269" r:id="rId7"/>
+    <p:sldId id="270" r:id="rId4"/>
+    <p:sldId id="271" r:id="rId5"/>
+    <p:sldId id="272" r:id="rId6"/>
+    <p:sldId id="264" r:id="rId7"/>
+    <p:sldId id="266" r:id="rId8"/>
+    <p:sldId id="268" r:id="rId9"/>
+    <p:sldId id="269" r:id="rId10"/>
   </p:sldIdLst>
   <p:sldSz cx="9144000" cy="5143500" type="screen16x9"/>
   <p:notesSz cx="6858000" cy="9144000"/>
   <p:embeddedFontLst>
     <p:embeddedFont>
       <p:font typeface="Roboto" panose="020B0604020202020204" charset="0"/>
-      <p:regular r:id="rId9"/>
-      <p:bold r:id="rId10"/>
-      <p:italic r:id="rId11"/>
-      <p:boldItalic r:id="rId12"/>
+      <p:regular r:id="rId12"/>
+      <p:bold r:id="rId13"/>
+      <p:italic r:id="rId14"/>
+      <p:boldItalic r:id="rId15"/>
     </p:embeddedFont>
   </p:embeddedFontLst>
   <p:defaultTextStyle>
@@ -8118,6 +8121,211 @@
 <file path=ppt/slides/slide3.xml><?xml version="1.0" encoding="utf-8"?>
 <p:sld xmlns:a="http://schemas.openxmlformats.org/drawingml/2006/main" xmlns:r="http://schemas.openxmlformats.org/officeDocument/2006/relationships" xmlns:p="http://schemas.openxmlformats.org/presentationml/2006/main">
   <p:cSld>
+    <p:spTree>
+      <p:nvGrpSpPr>
+        <p:cNvPr id="1" name=""/>
+        <p:cNvGrpSpPr/>
+        <p:nvPr/>
+      </p:nvGrpSpPr>
+      <p:grpSpPr>
+        <a:xfrm>
+          <a:off x="0" y="0"/>
+          <a:ext cx="0" cy="0"/>
+          <a:chOff x="0" y="0"/>
+          <a:chExt cx="0" cy="0"/>
+        </a:xfrm>
+      </p:grpSpPr>
+      <p:pic>
+        <p:nvPicPr>
+          <p:cNvPr id="3" name="Picture 2">
+            <a:extLst>
+              <a:ext uri="{FF2B5EF4-FFF2-40B4-BE49-F238E27FC236}">
+                <a16:creationId xmlns:a16="http://schemas.microsoft.com/office/drawing/2014/main" id="{4ED0BB2B-638E-4322-B60A-F9D9C287954A}"/>
+              </a:ext>
+            </a:extLst>
+          </p:cNvPr>
+          <p:cNvPicPr>
+            <a:picLocks noChangeAspect="1"/>
+          </p:cNvPicPr>
+          <p:nvPr/>
+        </p:nvPicPr>
+        <p:blipFill>
+          <a:blip r:embed="rId2"/>
+          <a:stretch>
+            <a:fillRect/>
+          </a:stretch>
+        </p:blipFill>
+        <p:spPr>
+          <a:xfrm>
+            <a:off x="-56708" y="0"/>
+            <a:ext cx="9200707" cy="5143500"/>
+          </a:xfrm>
+          <a:prstGeom prst="rect">
+            <a:avLst/>
+          </a:prstGeom>
+        </p:spPr>
+      </p:pic>
+    </p:spTree>
+    <p:extLst>
+      <p:ext uri="{BB962C8B-B14F-4D97-AF65-F5344CB8AC3E}">
+        <p14:creationId xmlns:p14="http://schemas.microsoft.com/office/powerpoint/2010/main" val="1075160646"/>
+      </p:ext>
+    </p:extLst>
+  </p:cSld>
+  <p:clrMapOvr>
+    <a:masterClrMapping/>
+  </p:clrMapOvr>
+</p:sld>
+</file>
+
+<file path=ppt/slides/slide4.xml><?xml version="1.0" encoding="utf-8"?>
+<p:sld xmlns:a="http://schemas.openxmlformats.org/drawingml/2006/main" xmlns:r="http://schemas.openxmlformats.org/officeDocument/2006/relationships" xmlns:p="http://schemas.openxmlformats.org/presentationml/2006/main">
+  <p:cSld>
+    <p:spTree>
+      <p:nvGrpSpPr>
+        <p:cNvPr id="1" name=""/>
+        <p:cNvGrpSpPr/>
+        <p:nvPr/>
+      </p:nvGrpSpPr>
+      <p:grpSpPr>
+        <a:xfrm>
+          <a:off x="0" y="0"/>
+          <a:ext cx="0" cy="0"/>
+          <a:chOff x="0" y="0"/>
+          <a:chExt cx="0" cy="0"/>
+        </a:xfrm>
+      </p:grpSpPr>
+      <p:pic>
+        <p:nvPicPr>
+          <p:cNvPr id="3" name="Picture 2">
+            <a:extLst>
+              <a:ext uri="{FF2B5EF4-FFF2-40B4-BE49-F238E27FC236}">
+                <a16:creationId xmlns:a16="http://schemas.microsoft.com/office/drawing/2014/main" id="{6D8607BC-9AF6-4E57-9948-960A9A37257E}"/>
+              </a:ext>
+            </a:extLst>
+          </p:cNvPr>
+          <p:cNvPicPr>
+            <a:picLocks noChangeAspect="1"/>
+          </p:cNvPicPr>
+          <p:nvPr/>
+        </p:nvPicPr>
+        <p:blipFill>
+          <a:blip r:embed="rId2"/>
+          <a:stretch>
+            <a:fillRect/>
+          </a:stretch>
+        </p:blipFill>
+        <p:spPr>
+          <a:xfrm>
+            <a:off x="0" y="0"/>
+            <a:ext cx="9143999" cy="5143500"/>
+          </a:xfrm>
+          <a:prstGeom prst="rect">
+            <a:avLst/>
+          </a:prstGeom>
+        </p:spPr>
+      </p:pic>
+    </p:spTree>
+    <p:extLst>
+      <p:ext uri="{BB962C8B-B14F-4D97-AF65-F5344CB8AC3E}">
+        <p14:creationId xmlns:p14="http://schemas.microsoft.com/office/powerpoint/2010/main" val="1602547493"/>
+      </p:ext>
+    </p:extLst>
+  </p:cSld>
+  <p:clrMapOvr>
+    <a:masterClrMapping/>
+  </p:clrMapOvr>
+</p:sld>
+</file>
+
+<file path=ppt/slides/slide5.xml><?xml version="1.0" encoding="utf-8"?>
+<p:sld xmlns:a="http://schemas.openxmlformats.org/drawingml/2006/main" xmlns:r="http://schemas.openxmlformats.org/officeDocument/2006/relationships" xmlns:p="http://schemas.openxmlformats.org/presentationml/2006/main">
+  <p:cSld>
+    <p:spTree>
+      <p:nvGrpSpPr>
+        <p:cNvPr id="1" name=""/>
+        <p:cNvGrpSpPr/>
+        <p:nvPr/>
+      </p:nvGrpSpPr>
+      <p:grpSpPr>
+        <a:xfrm>
+          <a:off x="0" y="0"/>
+          <a:ext cx="0" cy="0"/>
+          <a:chOff x="0" y="0"/>
+          <a:chExt cx="0" cy="0"/>
+        </a:xfrm>
+      </p:grpSpPr>
+      <p:sp>
+        <p:nvSpPr>
+          <p:cNvPr id="2" name="Title 1">
+            <a:extLst>
+              <a:ext uri="{FF2B5EF4-FFF2-40B4-BE49-F238E27FC236}">
+                <a16:creationId xmlns:a16="http://schemas.microsoft.com/office/drawing/2014/main" id="{9BAF30FD-DC85-4727-93A5-6881D5E01CB2}"/>
+              </a:ext>
+            </a:extLst>
+          </p:cNvPr>
+          <p:cNvSpPr>
+            <a:spLocks noGrp="1"/>
+          </p:cNvSpPr>
+          <p:nvPr>
+            <p:ph type="title"/>
+          </p:nvPr>
+        </p:nvSpPr>
+        <p:spPr/>
+        <p:txBody>
+          <a:bodyPr/>
+          <a:lstStyle/>
+          <a:p>
+            <a:endParaRPr lang="en-US"/>
+          </a:p>
+        </p:txBody>
+      </p:sp>
+      <p:pic>
+        <p:nvPicPr>
+          <p:cNvPr id="3" name="Picture 2">
+            <a:extLst>
+              <a:ext uri="{FF2B5EF4-FFF2-40B4-BE49-F238E27FC236}">
+                <a16:creationId xmlns:a16="http://schemas.microsoft.com/office/drawing/2014/main" id="{0E8F49BB-1FCD-4BCE-9A03-56D764BADDEB}"/>
+              </a:ext>
+            </a:extLst>
+          </p:cNvPr>
+          <p:cNvPicPr>
+            <a:picLocks noChangeAspect="1"/>
+          </p:cNvPicPr>
+          <p:nvPr/>
+        </p:nvPicPr>
+        <p:blipFill>
+          <a:blip r:embed="rId2"/>
+          <a:stretch>
+            <a:fillRect/>
+          </a:stretch>
+        </p:blipFill>
+        <p:spPr>
+          <a:xfrm>
+            <a:off x="0" y="0"/>
+            <a:ext cx="9144000" cy="5143500"/>
+          </a:xfrm>
+          <a:prstGeom prst="rect">
+            <a:avLst/>
+          </a:prstGeom>
+        </p:spPr>
+      </p:pic>
+    </p:spTree>
+    <p:extLst>
+      <p:ext uri="{BB962C8B-B14F-4D97-AF65-F5344CB8AC3E}">
+        <p14:creationId xmlns:p14="http://schemas.microsoft.com/office/powerpoint/2010/main" val="1557090421"/>
+      </p:ext>
+    </p:extLst>
+  </p:cSld>
+  <p:clrMapOvr>
+    <a:masterClrMapping/>
+  </p:clrMapOvr>
+</p:sld>
+</file>
+
+<file path=ppt/slides/slide6.xml><?xml version="1.0" encoding="utf-8"?>
+<p:sld xmlns:a="http://schemas.openxmlformats.org/drawingml/2006/main" xmlns:r="http://schemas.openxmlformats.org/officeDocument/2006/relationships" xmlns:p="http://schemas.openxmlformats.org/presentationml/2006/main">
+  <p:cSld>
     <p:bg>
       <p:bgPr>
         <a:blipFill>
@@ -8225,7 +8433,7 @@
 </p:sld>
 </file>
 
-<file path=ppt/slides/slide4.xml><?xml version="1.0" encoding="utf-8"?>
+<file path=ppt/slides/slide7.xml><?xml version="1.0" encoding="utf-8"?>
 <p:sld xmlns:a="http://schemas.openxmlformats.org/drawingml/2006/main" xmlns:r="http://schemas.openxmlformats.org/officeDocument/2006/relationships" xmlns:p="http://schemas.openxmlformats.org/presentationml/2006/main">
   <p:cSld>
     <p:spTree>
@@ -8402,7 +8610,7 @@
 </p:sld>
 </file>
 
-<file path=ppt/slides/slide5.xml><?xml version="1.0" encoding="utf-8"?>
+<file path=ppt/slides/slide8.xml><?xml version="1.0" encoding="utf-8"?>
 <p:sld xmlns:a="http://schemas.openxmlformats.org/drawingml/2006/main" xmlns:r="http://schemas.openxmlformats.org/officeDocument/2006/relationships" xmlns:p="http://schemas.openxmlformats.org/presentationml/2006/main">
   <p:cSld>
     <p:bg>
@@ -8536,7 +8744,7 @@
 </p:sld>
 </file>
 
-<file path=ppt/slides/slide6.xml><?xml version="1.0" encoding="utf-8"?>
+<file path=ppt/slides/slide9.xml><?xml version="1.0" encoding="utf-8"?>
 <p:sld xmlns:a="http://schemas.openxmlformats.org/drawingml/2006/main" xmlns:r="http://schemas.openxmlformats.org/officeDocument/2006/relationships" xmlns:p="http://schemas.openxmlformats.org/presentationml/2006/main">
   <p:cSld>
     <p:bg>

--- a/Mortality_project.pptx
+++ b/Mortality_project.pptx
@@ -7413,23 +7413,20 @@
               <a:t>David Marcus, Juan Galeazzi</a:t>
             </a:r>
             <a:r>
-              <a:rPr lang="en" dirty="0">
+              <a:rPr lang="en">
                 <a:solidFill>
                   <a:srgbClr val="FF0000"/>
                 </a:solidFill>
               </a:rPr>
               <a:t>, </a:t>
             </a:r>
-          </a:p>
-          <a:p>
-            <a:pPr marL="0" lvl="0" indent="0"/>
             <a:r>
-              <a:rPr lang="en-US" dirty="0">
+              <a:rPr lang="en-US">
                 <a:solidFill>
                   <a:srgbClr val="FF0000"/>
                 </a:solidFill>
               </a:rPr>
-              <a:t>Mukit Samad, David Hickman</a:t>
+              <a:t>Mukit Samad</a:t>
             </a:r>
             <a:endParaRPr dirty="0">
               <a:solidFill>

--- a/Mortality_project.pptx
+++ b/Mortality_project.pptx
@@ -5,28 +5,30 @@
     <p:sldMasterId id="2147483659" r:id="rId1"/>
   </p:sldMasterIdLst>
   <p:notesMasterIdLst>
-    <p:notesMasterId r:id="rId11"/>
+    <p:notesMasterId r:id="rId13"/>
   </p:notesMasterIdLst>
   <p:sldIdLst>
     <p:sldId id="256" r:id="rId2"/>
     <p:sldId id="257" r:id="rId3"/>
-    <p:sldId id="270" r:id="rId4"/>
-    <p:sldId id="271" r:id="rId5"/>
-    <p:sldId id="272" r:id="rId6"/>
-    <p:sldId id="264" r:id="rId7"/>
-    <p:sldId id="266" r:id="rId8"/>
-    <p:sldId id="268" r:id="rId9"/>
-    <p:sldId id="269" r:id="rId10"/>
+    <p:sldId id="273" r:id="rId4"/>
+    <p:sldId id="274" r:id="rId5"/>
+    <p:sldId id="270" r:id="rId6"/>
+    <p:sldId id="271" r:id="rId7"/>
+    <p:sldId id="272" r:id="rId8"/>
+    <p:sldId id="264" r:id="rId9"/>
+    <p:sldId id="266" r:id="rId10"/>
+    <p:sldId id="268" r:id="rId11"/>
+    <p:sldId id="269" r:id="rId12"/>
   </p:sldIdLst>
   <p:sldSz cx="9144000" cy="5143500" type="screen16x9"/>
   <p:notesSz cx="6858000" cy="9144000"/>
   <p:embeddedFontLst>
     <p:embeddedFont>
       <p:font typeface="Roboto" panose="020B0604020202020204" charset="0"/>
-      <p:regular r:id="rId12"/>
-      <p:bold r:id="rId13"/>
-      <p:italic r:id="rId14"/>
-      <p:boldItalic r:id="rId15"/>
+      <p:regular r:id="rId14"/>
+      <p:bold r:id="rId15"/>
+      <p:italic r:id="rId16"/>
+      <p:boldItalic r:id="rId17"/>
     </p:embeddedFont>
   </p:embeddedFontLst>
   <p:defaultTextStyle>
@@ -7769,6 +7771,320 @@
 </p:sld>
 </file>
 
+<file path=ppt/slides/slide10.xml><?xml version="1.0" encoding="utf-8"?>
+<p:sld xmlns:a="http://schemas.openxmlformats.org/drawingml/2006/main" xmlns:r="http://schemas.openxmlformats.org/officeDocument/2006/relationships" xmlns:p="http://schemas.openxmlformats.org/presentationml/2006/main">
+  <p:cSld>
+    <p:bg>
+      <p:bgPr>
+        <a:blipFill>
+          <a:blip r:embed="rId3"/>
+          <a:tile tx="0" ty="0" sx="100000" sy="100000" flip="none" algn="tl"/>
+        </a:blipFill>
+        <a:effectLst/>
+      </p:bgPr>
+    </p:bg>
+    <p:spTree>
+      <p:nvGrpSpPr>
+        <p:cNvPr id="1" name="Shape 153"/>
+        <p:cNvGrpSpPr/>
+        <p:nvPr/>
+      </p:nvGrpSpPr>
+      <p:grpSpPr>
+        <a:xfrm>
+          <a:off x="0" y="0"/>
+          <a:ext cx="0" cy="0"/>
+          <a:chOff x="0" y="0"/>
+          <a:chExt cx="0" cy="0"/>
+        </a:xfrm>
+      </p:grpSpPr>
+      <p:sp>
+        <p:nvSpPr>
+          <p:cNvPr id="154" name="Google Shape;154;p25"/>
+          <p:cNvSpPr txBox="1">
+            <a:spLocks noGrp="1"/>
+          </p:cNvSpPr>
+          <p:nvPr>
+            <p:ph type="body" idx="1"/>
+          </p:nvPr>
+        </p:nvSpPr>
+        <p:spPr>
+          <a:xfrm>
+            <a:off x="57150" y="4696825"/>
+            <a:ext cx="8382000" cy="446700"/>
+          </a:xfrm>
+          <a:prstGeom prst="rect">
+            <a:avLst/>
+          </a:prstGeom>
+        </p:spPr>
+        <p:txBody>
+          <a:bodyPr spcFirstLastPara="1" wrap="square" lIns="91425" tIns="91425" rIns="91425" bIns="91425" anchor="ctr" anchorCtr="0">
+            <a:noAutofit/>
+          </a:bodyPr>
+          <a:lstStyle/>
+          <a:p>
+            <a:pPr marL="0" lvl="0" indent="0" algn="ctr" rtl="0">
+              <a:spcBef>
+                <a:spcPts val="0"/>
+              </a:spcBef>
+              <a:spcAft>
+                <a:spcPts val="0"/>
+              </a:spcAft>
+              <a:buNone/>
+            </a:pPr>
+            <a:r>
+              <a:rPr lang="en" sz="1400" b="1" dirty="0"/>
+              <a:t>State Suicide Rate as a Functionof Population Density (2016)</a:t>
+            </a:r>
+            <a:endParaRPr sz="1400" b="1" dirty="0"/>
+          </a:p>
+        </p:txBody>
+      </p:sp>
+      <p:pic>
+        <p:nvPicPr>
+          <p:cNvPr id="155" name="Google Shape;155;p25"/>
+          <p:cNvPicPr preferRelativeResize="0"/>
+          <p:nvPr/>
+        </p:nvPicPr>
+        <p:blipFill>
+          <a:blip r:embed="rId4">
+            <a:alphaModFix/>
+          </a:blip>
+          <a:stretch>
+            <a:fillRect/>
+          </a:stretch>
+        </p:blipFill>
+        <p:spPr>
+          <a:xfrm>
+            <a:off x="1017028" y="256150"/>
+            <a:ext cx="7109950" cy="4265982"/>
+          </a:xfrm>
+          <a:prstGeom prst="rect">
+            <a:avLst/>
+          </a:prstGeom>
+          <a:noFill/>
+          <a:ln>
+            <a:noFill/>
+          </a:ln>
+        </p:spPr>
+      </p:pic>
+      <p:pic>
+        <p:nvPicPr>
+          <p:cNvPr id="2" name="Picture 1">
+            <a:extLst>
+              <a:ext uri="{FF2B5EF4-FFF2-40B4-BE49-F238E27FC236}">
+                <a16:creationId xmlns:a16="http://schemas.microsoft.com/office/drawing/2014/main" id="{A6AC1CAB-7D7F-4553-9124-DBFF6EF66A85}"/>
+              </a:ext>
+            </a:extLst>
+          </p:cNvPr>
+          <p:cNvPicPr>
+            <a:picLocks noChangeAspect="1"/>
+          </p:cNvPicPr>
+          <p:nvPr/>
+        </p:nvPicPr>
+        <p:blipFill>
+          <a:blip r:embed="rId5"/>
+          <a:stretch>
+            <a:fillRect/>
+          </a:stretch>
+        </p:blipFill>
+        <p:spPr>
+          <a:xfrm>
+            <a:off x="933134" y="418913"/>
+            <a:ext cx="7277731" cy="4305673"/>
+          </a:xfrm>
+          <a:prstGeom prst="rect">
+            <a:avLst/>
+          </a:prstGeom>
+        </p:spPr>
+      </p:pic>
+    </p:spTree>
+  </p:cSld>
+  <p:clrMapOvr>
+    <a:masterClrMapping/>
+  </p:clrMapOvr>
+</p:sld>
+</file>
+
+<file path=ppt/slides/slide11.xml><?xml version="1.0" encoding="utf-8"?>
+<p:sld xmlns:a="http://schemas.openxmlformats.org/drawingml/2006/main" xmlns:r="http://schemas.openxmlformats.org/officeDocument/2006/relationships" xmlns:p="http://schemas.openxmlformats.org/presentationml/2006/main">
+  <p:cSld>
+    <p:bg>
+      <p:bgPr>
+        <a:blipFill>
+          <a:blip r:embed="rId3"/>
+          <a:tile tx="0" ty="0" sx="100000" sy="100000" flip="none" algn="tl"/>
+        </a:blipFill>
+        <a:effectLst/>
+      </p:bgPr>
+    </p:bg>
+    <p:spTree>
+      <p:nvGrpSpPr>
+        <p:cNvPr id="1" name="Shape 159"/>
+        <p:cNvGrpSpPr/>
+        <p:nvPr/>
+      </p:nvGrpSpPr>
+      <p:grpSpPr>
+        <a:xfrm>
+          <a:off x="0" y="0"/>
+          <a:ext cx="0" cy="0"/>
+          <a:chOff x="0" y="0"/>
+          <a:chExt cx="0" cy="0"/>
+        </a:xfrm>
+      </p:grpSpPr>
+      <p:sp>
+        <p:nvSpPr>
+          <p:cNvPr id="160" name="Google Shape;160;p26"/>
+          <p:cNvSpPr txBox="1"/>
+          <p:nvPr/>
+        </p:nvSpPr>
+        <p:spPr>
+          <a:xfrm>
+            <a:off x="0" y="1849057"/>
+            <a:ext cx="8914500" cy="2918400"/>
+          </a:xfrm>
+          <a:prstGeom prst="rect">
+            <a:avLst/>
+          </a:prstGeom>
+          <a:noFill/>
+          <a:ln>
+            <a:noFill/>
+          </a:ln>
+        </p:spPr>
+        <p:txBody>
+          <a:bodyPr spcFirstLastPara="1" wrap="square" lIns="91425" tIns="91425" rIns="91425" bIns="91425" anchor="t" anchorCtr="0">
+            <a:noAutofit/>
+          </a:bodyPr>
+          <a:lstStyle/>
+          <a:p>
+            <a:pPr marL="457200" lvl="0" indent="-387350" algn="l" rtl="0">
+              <a:lnSpc>
+                <a:spcPct val="115000"/>
+              </a:lnSpc>
+              <a:spcBef>
+                <a:spcPts val="0"/>
+              </a:spcBef>
+              <a:spcAft>
+                <a:spcPts val="0"/>
+              </a:spcAft>
+              <a:buSzPts val="2500"/>
+              <a:buChar char="●"/>
+            </a:pPr>
+            <a:r>
+              <a:rPr lang="en" sz="2500" dirty="0"/>
+              <a:t>Strong inverse correlation between suicide rate and population density</a:t>
+            </a:r>
+            <a:endParaRPr sz="2500" dirty="0"/>
+          </a:p>
+          <a:p>
+            <a:pPr marL="457200" lvl="0" indent="-387350" algn="l" rtl="0">
+              <a:lnSpc>
+                <a:spcPct val="115000"/>
+              </a:lnSpc>
+              <a:spcBef>
+                <a:spcPts val="0"/>
+              </a:spcBef>
+              <a:spcAft>
+                <a:spcPts val="0"/>
+              </a:spcAft>
+              <a:buSzPts val="2500"/>
+              <a:buChar char="●"/>
+            </a:pPr>
+            <a:r>
+              <a:rPr lang="en" sz="2500" dirty="0"/>
+              <a:t>Loneliness → Higher rates of suicide</a:t>
+            </a:r>
+            <a:endParaRPr sz="2500" dirty="0"/>
+          </a:p>
+        </p:txBody>
+      </p:sp>
+      <p:sp>
+        <p:nvSpPr>
+          <p:cNvPr id="161" name="Google Shape;161;p26"/>
+          <p:cNvSpPr txBox="1"/>
+          <p:nvPr/>
+        </p:nvSpPr>
+        <p:spPr>
+          <a:xfrm>
+            <a:off x="187825" y="81875"/>
+            <a:ext cx="8382000" cy="722400"/>
+          </a:xfrm>
+          <a:prstGeom prst="rect">
+            <a:avLst/>
+          </a:prstGeom>
+          <a:noFill/>
+          <a:ln>
+            <a:noFill/>
+          </a:ln>
+        </p:spPr>
+        <p:txBody>
+          <a:bodyPr spcFirstLastPara="1" wrap="square" lIns="91425" tIns="91425" rIns="91425" bIns="91425" anchor="t" anchorCtr="0">
+            <a:noAutofit/>
+          </a:bodyPr>
+          <a:lstStyle/>
+          <a:p>
+            <a:pPr marL="0" lvl="0" indent="0" algn="l" rtl="0">
+              <a:spcBef>
+                <a:spcPts val="0"/>
+              </a:spcBef>
+              <a:spcAft>
+                <a:spcPts val="0"/>
+              </a:spcAft>
+              <a:buNone/>
+            </a:pPr>
+            <a:endParaRPr sz="3500"/>
+          </a:p>
+        </p:txBody>
+      </p:sp>
+      <p:sp>
+        <p:nvSpPr>
+          <p:cNvPr id="162" name="Google Shape;162;p26"/>
+          <p:cNvSpPr txBox="1">
+            <a:spLocks noGrp="1"/>
+          </p:cNvSpPr>
+          <p:nvPr>
+            <p:ph type="title"/>
+          </p:nvPr>
+        </p:nvSpPr>
+        <p:spPr>
+          <a:xfrm>
+            <a:off x="471900" y="738725"/>
+            <a:ext cx="8222100" cy="767700"/>
+          </a:xfrm>
+          <a:prstGeom prst="rect">
+            <a:avLst/>
+          </a:prstGeom>
+        </p:spPr>
+        <p:txBody>
+          <a:bodyPr spcFirstLastPara="1" wrap="square" lIns="91425" tIns="91425" rIns="91425" bIns="91425" anchor="b" anchorCtr="0">
+            <a:noAutofit/>
+          </a:bodyPr>
+          <a:lstStyle/>
+          <a:p>
+            <a:pPr marL="0" lvl="0" indent="0" algn="l" rtl="0">
+              <a:spcBef>
+                <a:spcPts val="0"/>
+              </a:spcBef>
+              <a:spcAft>
+                <a:spcPts val="0"/>
+              </a:spcAft>
+              <a:buNone/>
+            </a:pPr>
+            <a:r>
+              <a:rPr lang="en" dirty="0"/>
+              <a:t>Conclusion</a:t>
+            </a:r>
+            <a:endParaRPr dirty="0"/>
+          </a:p>
+        </p:txBody>
+      </p:sp>
+    </p:spTree>
+  </p:cSld>
+  <p:clrMapOvr>
+    <a:masterClrMapping/>
+  </p:clrMapOvr>
+</p:sld>
+</file>
+
 <file path=ppt/slides/slide2.xml><?xml version="1.0" encoding="utf-8"?>
 <p:sld xmlns:a="http://schemas.openxmlformats.org/drawingml/2006/main" xmlns:r="http://schemas.openxmlformats.org/officeDocument/2006/relationships" xmlns:p="http://schemas.openxmlformats.org/presentationml/2006/main">
   <p:cSld>
@@ -8132,12 +8448,45 @@
           <a:chExt cx="0" cy="0"/>
         </a:xfrm>
       </p:grpSpPr>
+      <p:sp>
+        <p:nvSpPr>
+          <p:cNvPr id="2" name="Title 1">
+            <a:extLst>
+              <a:ext uri="{FF2B5EF4-FFF2-40B4-BE49-F238E27FC236}">
+                <a16:creationId xmlns:a16="http://schemas.microsoft.com/office/drawing/2014/main" id="{5D910B59-CC41-43D8-A1B4-8E566D32A19D}"/>
+              </a:ext>
+            </a:extLst>
+          </p:cNvPr>
+          <p:cNvSpPr>
+            <a:spLocks noGrp="1"/>
+          </p:cNvSpPr>
+          <p:nvPr>
+            <p:ph type="title"/>
+          </p:nvPr>
+        </p:nvSpPr>
+        <p:spPr>
+          <a:xfrm>
+            <a:off x="460950" y="101880"/>
+            <a:ext cx="8222100" cy="1012800"/>
+          </a:xfrm>
+        </p:spPr>
+        <p:txBody>
+          <a:bodyPr/>
+          <a:lstStyle/>
+          <a:p>
+            <a:r>
+              <a:rPr lang="en-US" dirty="0"/>
+              <a:t>              Microsoft Azure</a:t>
+            </a:r>
+          </a:p>
+        </p:txBody>
+      </p:sp>
       <p:pic>
         <p:nvPicPr>
           <p:cNvPr id="3" name="Picture 2">
             <a:extLst>
               <a:ext uri="{FF2B5EF4-FFF2-40B4-BE49-F238E27FC236}">
-                <a16:creationId xmlns:a16="http://schemas.microsoft.com/office/drawing/2014/main" id="{4ED0BB2B-638E-4322-B60A-F9D9C287954A}"/>
+                <a16:creationId xmlns:a16="http://schemas.microsoft.com/office/drawing/2014/main" id="{E757B222-A214-4C0E-873A-F79AC005FF1D}"/>
               </a:ext>
             </a:extLst>
           </p:cNvPr>
@@ -8154,8 +8503,8 @@
         </p:blipFill>
         <p:spPr>
           <a:xfrm>
-            <a:off x="-56708" y="0"/>
-            <a:ext cx="9200707" cy="5143500"/>
+            <a:off x="0" y="852401"/>
+            <a:ext cx="9144000" cy="4291099"/>
           </a:xfrm>
           <a:prstGeom prst="rect">
             <a:avLst/>
@@ -8165,7 +8514,7 @@
     </p:spTree>
     <p:extLst>
       <p:ext uri="{BB962C8B-B14F-4D97-AF65-F5344CB8AC3E}">
-        <p14:creationId xmlns:p14="http://schemas.microsoft.com/office/powerpoint/2010/main" val="1075160646"/>
+        <p14:creationId xmlns:p14="http://schemas.microsoft.com/office/powerpoint/2010/main" val="556476102"/>
       </p:ext>
     </p:extLst>
   </p:cSld>
@@ -8192,9 +8541,164 @@
           <a:chExt cx="0" cy="0"/>
         </a:xfrm>
       </p:grpSpPr>
+      <p:sp>
+        <p:nvSpPr>
+          <p:cNvPr id="2" name="Title 1">
+            <a:extLst>
+              <a:ext uri="{FF2B5EF4-FFF2-40B4-BE49-F238E27FC236}">
+                <a16:creationId xmlns:a16="http://schemas.microsoft.com/office/drawing/2014/main" id="{F13E103B-5A7C-4447-B6C6-F6203EC385BF}"/>
+              </a:ext>
+            </a:extLst>
+          </p:cNvPr>
+          <p:cNvSpPr>
+            <a:spLocks noGrp="1"/>
+          </p:cNvSpPr>
+          <p:nvPr>
+            <p:ph type="title"/>
+          </p:nvPr>
+        </p:nvSpPr>
+        <p:spPr>
+          <a:xfrm>
+            <a:off x="276653" y="0"/>
+            <a:ext cx="8222100" cy="1012800"/>
+          </a:xfrm>
+        </p:spPr>
+        <p:txBody>
+          <a:bodyPr/>
+          <a:lstStyle/>
+          <a:p>
+            <a:r>
+              <a:rPr lang="en-US" dirty="0"/>
+              <a:t>Connect Data Source from Azure</a:t>
+            </a:r>
+          </a:p>
+        </p:txBody>
+      </p:sp>
       <p:pic>
         <p:nvPicPr>
           <p:cNvPr id="3" name="Picture 2">
+            <a:extLst>
+              <a:ext uri="{FF2B5EF4-FFF2-40B4-BE49-F238E27FC236}">
+                <a16:creationId xmlns:a16="http://schemas.microsoft.com/office/drawing/2014/main" id="{4CCEFBE3-F19C-4922-9D8A-39C3BDEDFB43}"/>
+              </a:ext>
+            </a:extLst>
+          </p:cNvPr>
+          <p:cNvPicPr>
+            <a:picLocks noChangeAspect="1"/>
+          </p:cNvPicPr>
+          <p:nvPr/>
+        </p:nvPicPr>
+        <p:blipFill>
+          <a:blip r:embed="rId2"/>
+          <a:stretch>
+            <a:fillRect/>
+          </a:stretch>
+        </p:blipFill>
+        <p:spPr>
+          <a:xfrm>
+            <a:off x="0" y="897432"/>
+            <a:ext cx="9144000" cy="4246067"/>
+          </a:xfrm>
+          <a:prstGeom prst="rect">
+            <a:avLst/>
+          </a:prstGeom>
+        </p:spPr>
+      </p:pic>
+    </p:spTree>
+    <p:extLst>
+      <p:ext uri="{BB962C8B-B14F-4D97-AF65-F5344CB8AC3E}">
+        <p14:creationId xmlns:p14="http://schemas.microsoft.com/office/powerpoint/2010/main" val="2458429979"/>
+      </p:ext>
+    </p:extLst>
+  </p:cSld>
+  <p:clrMapOvr>
+    <a:masterClrMapping/>
+  </p:clrMapOvr>
+</p:sld>
+</file>
+
+<file path=ppt/slides/slide5.xml><?xml version="1.0" encoding="utf-8"?>
+<p:sld xmlns:a="http://schemas.openxmlformats.org/drawingml/2006/main" xmlns:r="http://schemas.openxmlformats.org/officeDocument/2006/relationships" xmlns:p="http://schemas.openxmlformats.org/presentationml/2006/main">
+  <p:cSld>
+    <p:spTree>
+      <p:nvGrpSpPr>
+        <p:cNvPr id="1" name=""/>
+        <p:cNvGrpSpPr/>
+        <p:nvPr/>
+      </p:nvGrpSpPr>
+      <p:grpSpPr>
+        <a:xfrm>
+          <a:off x="0" y="0"/>
+          <a:ext cx="0" cy="0"/>
+          <a:chOff x="0" y="0"/>
+          <a:chExt cx="0" cy="0"/>
+        </a:xfrm>
+      </p:grpSpPr>
+      <p:pic>
+        <p:nvPicPr>
+          <p:cNvPr id="3" name="Picture 2">
+            <a:hlinkClick r:id="rId2"/>
+            <a:extLst>
+              <a:ext uri="{FF2B5EF4-FFF2-40B4-BE49-F238E27FC236}">
+                <a16:creationId xmlns:a16="http://schemas.microsoft.com/office/drawing/2014/main" id="{4ED0BB2B-638E-4322-B60A-F9D9C287954A}"/>
+              </a:ext>
+            </a:extLst>
+          </p:cNvPr>
+          <p:cNvPicPr>
+            <a:picLocks noChangeAspect="1"/>
+          </p:cNvPicPr>
+          <p:nvPr/>
+        </p:nvPicPr>
+        <p:blipFill>
+          <a:blip r:embed="rId3"/>
+          <a:stretch>
+            <a:fillRect/>
+          </a:stretch>
+        </p:blipFill>
+        <p:spPr>
+          <a:xfrm>
+            <a:off x="-56708" y="14176"/>
+            <a:ext cx="9200707" cy="5143500"/>
+          </a:xfrm>
+          <a:prstGeom prst="rect">
+            <a:avLst/>
+          </a:prstGeom>
+        </p:spPr>
+      </p:pic>
+    </p:spTree>
+    <p:extLst>
+      <p:ext uri="{BB962C8B-B14F-4D97-AF65-F5344CB8AC3E}">
+        <p14:creationId xmlns:p14="http://schemas.microsoft.com/office/powerpoint/2010/main" val="1075160646"/>
+      </p:ext>
+    </p:extLst>
+  </p:cSld>
+  <p:clrMapOvr>
+    <a:masterClrMapping/>
+  </p:clrMapOvr>
+</p:sld>
+</file>
+
+<file path=ppt/slides/slide6.xml><?xml version="1.0" encoding="utf-8"?>
+<p:sld xmlns:a="http://schemas.openxmlformats.org/drawingml/2006/main" xmlns:r="http://schemas.openxmlformats.org/officeDocument/2006/relationships" xmlns:p="http://schemas.openxmlformats.org/presentationml/2006/main">
+  <p:cSld>
+    <p:spTree>
+      <p:nvGrpSpPr>
+        <p:cNvPr id="1" name=""/>
+        <p:cNvGrpSpPr/>
+        <p:nvPr/>
+      </p:nvGrpSpPr>
+      <p:grpSpPr>
+        <a:xfrm>
+          <a:off x="0" y="0"/>
+          <a:ext cx="0" cy="0"/>
+          <a:chOff x="0" y="0"/>
+          <a:chExt cx="0" cy="0"/>
+        </a:xfrm>
+      </p:grpSpPr>
+      <p:pic>
+        <p:nvPicPr>
+          <p:cNvPr id="3" name="Picture 2">
+            <a:hlinkClick r:id="rId2"/>
             <a:extLst>
               <a:ext uri="{FF2B5EF4-FFF2-40B4-BE49-F238E27FC236}">
                 <a16:creationId xmlns:a16="http://schemas.microsoft.com/office/drawing/2014/main" id="{6D8607BC-9AF6-4E57-9948-960A9A37257E}"/>
@@ -8207,7 +8711,7 @@
           <p:nvPr/>
         </p:nvPicPr>
         <p:blipFill>
-          <a:blip r:embed="rId2"/>
+          <a:blip r:embed="rId3"/>
           <a:stretch>
             <a:fillRect/>
           </a:stretch>
@@ -8235,7 +8739,7 @@
 </p:sld>
 </file>
 
-<file path=ppt/slides/slide5.xml><?xml version="1.0" encoding="utf-8"?>
+<file path=ppt/slides/slide7.xml><?xml version="1.0" encoding="utf-8"?>
 <p:sld xmlns:a="http://schemas.openxmlformats.org/drawingml/2006/main" xmlns:r="http://schemas.openxmlformats.org/officeDocument/2006/relationships" xmlns:p="http://schemas.openxmlformats.org/presentationml/2006/main">
   <p:cSld>
     <p:spTree>
@@ -8320,7 +8824,7 @@
 </p:sld>
 </file>
 
-<file path=ppt/slides/slide6.xml><?xml version="1.0" encoding="utf-8"?>
+<file path=ppt/slides/slide8.xml><?xml version="1.0" encoding="utf-8"?>
 <p:sld xmlns:a="http://schemas.openxmlformats.org/drawingml/2006/main" xmlns:r="http://schemas.openxmlformats.org/officeDocument/2006/relationships" xmlns:p="http://schemas.openxmlformats.org/presentationml/2006/main">
   <p:cSld>
     <p:bg>
@@ -8430,7 +8934,7 @@
 </p:sld>
 </file>
 
-<file path=ppt/slides/slide7.xml><?xml version="1.0" encoding="utf-8"?>
+<file path=ppt/slides/slide9.xml><?xml version="1.0" encoding="utf-8"?>
 <p:sld xmlns:a="http://schemas.openxmlformats.org/drawingml/2006/main" xmlns:r="http://schemas.openxmlformats.org/officeDocument/2006/relationships" xmlns:p="http://schemas.openxmlformats.org/presentationml/2006/main">
   <p:cSld>
     <p:spTree>
@@ -8596,320 +9100,6 @@
               <a:t>, phumyvungtaurental.com/population-density-map-of-usa/us-population-map-statistics-graph-most-populated-cities-density-population-density-map-of-usa-932-x-595-pixels/.</a:t>
             </a:r>
             <a:endParaRPr/>
-          </a:p>
-        </p:txBody>
-      </p:sp>
-    </p:spTree>
-  </p:cSld>
-  <p:clrMapOvr>
-    <a:masterClrMapping/>
-  </p:clrMapOvr>
-</p:sld>
-</file>
-
-<file path=ppt/slides/slide8.xml><?xml version="1.0" encoding="utf-8"?>
-<p:sld xmlns:a="http://schemas.openxmlformats.org/drawingml/2006/main" xmlns:r="http://schemas.openxmlformats.org/officeDocument/2006/relationships" xmlns:p="http://schemas.openxmlformats.org/presentationml/2006/main">
-  <p:cSld>
-    <p:bg>
-      <p:bgPr>
-        <a:blipFill>
-          <a:blip r:embed="rId3"/>
-          <a:tile tx="0" ty="0" sx="100000" sy="100000" flip="none" algn="tl"/>
-        </a:blipFill>
-        <a:effectLst/>
-      </p:bgPr>
-    </p:bg>
-    <p:spTree>
-      <p:nvGrpSpPr>
-        <p:cNvPr id="1" name="Shape 153"/>
-        <p:cNvGrpSpPr/>
-        <p:nvPr/>
-      </p:nvGrpSpPr>
-      <p:grpSpPr>
-        <a:xfrm>
-          <a:off x="0" y="0"/>
-          <a:ext cx="0" cy="0"/>
-          <a:chOff x="0" y="0"/>
-          <a:chExt cx="0" cy="0"/>
-        </a:xfrm>
-      </p:grpSpPr>
-      <p:sp>
-        <p:nvSpPr>
-          <p:cNvPr id="154" name="Google Shape;154;p25"/>
-          <p:cNvSpPr txBox="1">
-            <a:spLocks noGrp="1"/>
-          </p:cNvSpPr>
-          <p:nvPr>
-            <p:ph type="body" idx="1"/>
-          </p:nvPr>
-        </p:nvSpPr>
-        <p:spPr>
-          <a:xfrm>
-            <a:off x="57150" y="4696825"/>
-            <a:ext cx="8382000" cy="446700"/>
-          </a:xfrm>
-          <a:prstGeom prst="rect">
-            <a:avLst/>
-          </a:prstGeom>
-        </p:spPr>
-        <p:txBody>
-          <a:bodyPr spcFirstLastPara="1" wrap="square" lIns="91425" tIns="91425" rIns="91425" bIns="91425" anchor="ctr" anchorCtr="0">
-            <a:noAutofit/>
-          </a:bodyPr>
-          <a:lstStyle/>
-          <a:p>
-            <a:pPr marL="0" lvl="0" indent="0" algn="ctr" rtl="0">
-              <a:spcBef>
-                <a:spcPts val="0"/>
-              </a:spcBef>
-              <a:spcAft>
-                <a:spcPts val="0"/>
-              </a:spcAft>
-              <a:buNone/>
-            </a:pPr>
-            <a:r>
-              <a:rPr lang="en" sz="1400" b="1" dirty="0"/>
-              <a:t>State Suicide Rate as a Functionof Population Density (2016)</a:t>
-            </a:r>
-            <a:endParaRPr sz="1400" b="1" dirty="0"/>
-          </a:p>
-        </p:txBody>
-      </p:sp>
-      <p:pic>
-        <p:nvPicPr>
-          <p:cNvPr id="155" name="Google Shape;155;p25"/>
-          <p:cNvPicPr preferRelativeResize="0"/>
-          <p:nvPr/>
-        </p:nvPicPr>
-        <p:blipFill>
-          <a:blip r:embed="rId4">
-            <a:alphaModFix/>
-          </a:blip>
-          <a:stretch>
-            <a:fillRect/>
-          </a:stretch>
-        </p:blipFill>
-        <p:spPr>
-          <a:xfrm>
-            <a:off x="1017028" y="256150"/>
-            <a:ext cx="7109950" cy="4265982"/>
-          </a:xfrm>
-          <a:prstGeom prst="rect">
-            <a:avLst/>
-          </a:prstGeom>
-          <a:noFill/>
-          <a:ln>
-            <a:noFill/>
-          </a:ln>
-        </p:spPr>
-      </p:pic>
-      <p:pic>
-        <p:nvPicPr>
-          <p:cNvPr id="2" name="Picture 1">
-            <a:extLst>
-              <a:ext uri="{FF2B5EF4-FFF2-40B4-BE49-F238E27FC236}">
-                <a16:creationId xmlns:a16="http://schemas.microsoft.com/office/drawing/2014/main" id="{A6AC1CAB-7D7F-4553-9124-DBFF6EF66A85}"/>
-              </a:ext>
-            </a:extLst>
-          </p:cNvPr>
-          <p:cNvPicPr>
-            <a:picLocks noChangeAspect="1"/>
-          </p:cNvPicPr>
-          <p:nvPr/>
-        </p:nvPicPr>
-        <p:blipFill>
-          <a:blip r:embed="rId5"/>
-          <a:stretch>
-            <a:fillRect/>
-          </a:stretch>
-        </p:blipFill>
-        <p:spPr>
-          <a:xfrm>
-            <a:off x="933134" y="418913"/>
-            <a:ext cx="7277731" cy="4305673"/>
-          </a:xfrm>
-          <a:prstGeom prst="rect">
-            <a:avLst/>
-          </a:prstGeom>
-        </p:spPr>
-      </p:pic>
-    </p:spTree>
-  </p:cSld>
-  <p:clrMapOvr>
-    <a:masterClrMapping/>
-  </p:clrMapOvr>
-</p:sld>
-</file>
-
-<file path=ppt/slides/slide9.xml><?xml version="1.0" encoding="utf-8"?>
-<p:sld xmlns:a="http://schemas.openxmlformats.org/drawingml/2006/main" xmlns:r="http://schemas.openxmlformats.org/officeDocument/2006/relationships" xmlns:p="http://schemas.openxmlformats.org/presentationml/2006/main">
-  <p:cSld>
-    <p:bg>
-      <p:bgPr>
-        <a:blipFill>
-          <a:blip r:embed="rId3"/>
-          <a:tile tx="0" ty="0" sx="100000" sy="100000" flip="none" algn="tl"/>
-        </a:blipFill>
-        <a:effectLst/>
-      </p:bgPr>
-    </p:bg>
-    <p:spTree>
-      <p:nvGrpSpPr>
-        <p:cNvPr id="1" name="Shape 159"/>
-        <p:cNvGrpSpPr/>
-        <p:nvPr/>
-      </p:nvGrpSpPr>
-      <p:grpSpPr>
-        <a:xfrm>
-          <a:off x="0" y="0"/>
-          <a:ext cx="0" cy="0"/>
-          <a:chOff x="0" y="0"/>
-          <a:chExt cx="0" cy="0"/>
-        </a:xfrm>
-      </p:grpSpPr>
-      <p:sp>
-        <p:nvSpPr>
-          <p:cNvPr id="160" name="Google Shape;160;p26"/>
-          <p:cNvSpPr txBox="1"/>
-          <p:nvPr/>
-        </p:nvSpPr>
-        <p:spPr>
-          <a:xfrm>
-            <a:off x="0" y="1849057"/>
-            <a:ext cx="8914500" cy="2918400"/>
-          </a:xfrm>
-          <a:prstGeom prst="rect">
-            <a:avLst/>
-          </a:prstGeom>
-          <a:noFill/>
-          <a:ln>
-            <a:noFill/>
-          </a:ln>
-        </p:spPr>
-        <p:txBody>
-          <a:bodyPr spcFirstLastPara="1" wrap="square" lIns="91425" tIns="91425" rIns="91425" bIns="91425" anchor="t" anchorCtr="0">
-            <a:noAutofit/>
-          </a:bodyPr>
-          <a:lstStyle/>
-          <a:p>
-            <a:pPr marL="457200" lvl="0" indent="-387350" algn="l" rtl="0">
-              <a:lnSpc>
-                <a:spcPct val="115000"/>
-              </a:lnSpc>
-              <a:spcBef>
-                <a:spcPts val="0"/>
-              </a:spcBef>
-              <a:spcAft>
-                <a:spcPts val="0"/>
-              </a:spcAft>
-              <a:buSzPts val="2500"/>
-              <a:buChar char="●"/>
-            </a:pPr>
-            <a:r>
-              <a:rPr lang="en" sz="2500" dirty="0"/>
-              <a:t>Strong inverse correlation between suicide rate and population density</a:t>
-            </a:r>
-            <a:endParaRPr sz="2500" dirty="0"/>
-          </a:p>
-          <a:p>
-            <a:pPr marL="457200" lvl="0" indent="-387350" algn="l" rtl="0">
-              <a:lnSpc>
-                <a:spcPct val="115000"/>
-              </a:lnSpc>
-              <a:spcBef>
-                <a:spcPts val="0"/>
-              </a:spcBef>
-              <a:spcAft>
-                <a:spcPts val="0"/>
-              </a:spcAft>
-              <a:buSzPts val="2500"/>
-              <a:buChar char="●"/>
-            </a:pPr>
-            <a:r>
-              <a:rPr lang="en" sz="2500" dirty="0"/>
-              <a:t>Loneliness → Higher rates of suicide</a:t>
-            </a:r>
-            <a:endParaRPr sz="2500" dirty="0"/>
-          </a:p>
-        </p:txBody>
-      </p:sp>
-      <p:sp>
-        <p:nvSpPr>
-          <p:cNvPr id="161" name="Google Shape;161;p26"/>
-          <p:cNvSpPr txBox="1"/>
-          <p:nvPr/>
-        </p:nvSpPr>
-        <p:spPr>
-          <a:xfrm>
-            <a:off x="187825" y="81875"/>
-            <a:ext cx="8382000" cy="722400"/>
-          </a:xfrm>
-          <a:prstGeom prst="rect">
-            <a:avLst/>
-          </a:prstGeom>
-          <a:noFill/>
-          <a:ln>
-            <a:noFill/>
-          </a:ln>
-        </p:spPr>
-        <p:txBody>
-          <a:bodyPr spcFirstLastPara="1" wrap="square" lIns="91425" tIns="91425" rIns="91425" bIns="91425" anchor="t" anchorCtr="0">
-            <a:noAutofit/>
-          </a:bodyPr>
-          <a:lstStyle/>
-          <a:p>
-            <a:pPr marL="0" lvl="0" indent="0" algn="l" rtl="0">
-              <a:spcBef>
-                <a:spcPts val="0"/>
-              </a:spcBef>
-              <a:spcAft>
-                <a:spcPts val="0"/>
-              </a:spcAft>
-              <a:buNone/>
-            </a:pPr>
-            <a:endParaRPr sz="3500"/>
-          </a:p>
-        </p:txBody>
-      </p:sp>
-      <p:sp>
-        <p:nvSpPr>
-          <p:cNvPr id="162" name="Google Shape;162;p26"/>
-          <p:cNvSpPr txBox="1">
-            <a:spLocks noGrp="1"/>
-          </p:cNvSpPr>
-          <p:nvPr>
-            <p:ph type="title"/>
-          </p:nvPr>
-        </p:nvSpPr>
-        <p:spPr>
-          <a:xfrm>
-            <a:off x="471900" y="738725"/>
-            <a:ext cx="8222100" cy="767700"/>
-          </a:xfrm>
-          <a:prstGeom prst="rect">
-            <a:avLst/>
-          </a:prstGeom>
-        </p:spPr>
-        <p:txBody>
-          <a:bodyPr spcFirstLastPara="1" wrap="square" lIns="91425" tIns="91425" rIns="91425" bIns="91425" anchor="b" anchorCtr="0">
-            <a:noAutofit/>
-          </a:bodyPr>
-          <a:lstStyle/>
-          <a:p>
-            <a:pPr marL="0" lvl="0" indent="0" algn="l" rtl="0">
-              <a:spcBef>
-                <a:spcPts val="0"/>
-              </a:spcBef>
-              <a:spcAft>
-                <a:spcPts val="0"/>
-              </a:spcAft>
-              <a:buNone/>
-            </a:pPr>
-            <a:r>
-              <a:rPr lang="en" dirty="0"/>
-              <a:t>Conclusion</a:t>
-            </a:r>
-            <a:endParaRPr dirty="0"/>
           </a:p>
         </p:txBody>
       </p:sp>

--- a/Mortality_project.pptx
+++ b/Mortality_project.pptx
@@ -5,7 +5,7 @@
     <p:sldMasterId id="2147483659" r:id="rId1"/>
   </p:sldMasterIdLst>
   <p:notesMasterIdLst>
-    <p:notesMasterId r:id="rId13"/>
+    <p:notesMasterId r:id="rId14"/>
   </p:notesMasterIdLst>
   <p:sldIdLst>
     <p:sldId id="256" r:id="rId2"/>
@@ -19,16 +19,17 @@
     <p:sldId id="266" r:id="rId10"/>
     <p:sldId id="268" r:id="rId11"/>
     <p:sldId id="269" r:id="rId12"/>
+    <p:sldId id="275" r:id="rId13"/>
   </p:sldIdLst>
   <p:sldSz cx="9144000" cy="5143500" type="screen16x9"/>
   <p:notesSz cx="6858000" cy="9144000"/>
   <p:embeddedFontLst>
     <p:embeddedFont>
       <p:font typeface="Roboto" panose="020B0604020202020204" charset="0"/>
-      <p:regular r:id="rId14"/>
-      <p:bold r:id="rId15"/>
-      <p:italic r:id="rId16"/>
-      <p:boldItalic r:id="rId17"/>
+      <p:regular r:id="rId15"/>
+      <p:bold r:id="rId16"/>
+      <p:italic r:id="rId17"/>
+      <p:boldItalic r:id="rId18"/>
     </p:embeddedFont>
   </p:embeddedFontLst>
   <p:defaultTextStyle>
@@ -1355,6 +1356,115 @@
         </p:txBody>
       </p:sp>
     </p:spTree>
+  </p:cSld>
+  <p:clrMapOvr>
+    <a:masterClrMapping/>
+  </p:clrMapOvr>
+</p:notes>
+</file>
+
+<file path=ppt/notesSlides/notesSlide7.xml><?xml version="1.0" encoding="utf-8"?>
+<p:notes xmlns:a="http://schemas.openxmlformats.org/drawingml/2006/main" xmlns:r="http://schemas.openxmlformats.org/officeDocument/2006/relationships" xmlns:p="http://schemas.openxmlformats.org/presentationml/2006/main" showMasterSp="0" showMasterPhAnim="0">
+  <p:cSld>
+    <p:spTree>
+      <p:nvGrpSpPr>
+        <p:cNvPr id="1" name="Shape 156"/>
+        <p:cNvGrpSpPr/>
+        <p:nvPr/>
+      </p:nvGrpSpPr>
+      <p:grpSpPr>
+        <a:xfrm>
+          <a:off x="0" y="0"/>
+          <a:ext cx="0" cy="0"/>
+          <a:chOff x="0" y="0"/>
+          <a:chExt cx="0" cy="0"/>
+        </a:xfrm>
+      </p:grpSpPr>
+      <p:sp>
+        <p:nvSpPr>
+          <p:cNvPr id="157" name="Google Shape;157;g3f799dca46_0_39:notes"/>
+          <p:cNvSpPr>
+            <a:spLocks noGrp="1" noRot="1" noChangeAspect="1"/>
+          </p:cNvSpPr>
+          <p:nvPr>
+            <p:ph type="sldImg" idx="2"/>
+          </p:nvPr>
+        </p:nvSpPr>
+        <p:spPr>
+          <a:xfrm>
+            <a:off x="381000" y="685800"/>
+            <a:ext cx="6096000" cy="3429000"/>
+          </a:xfrm>
+          <a:custGeom>
+            <a:avLst/>
+            <a:gdLst/>
+            <a:ahLst/>
+            <a:cxnLst/>
+            <a:rect l="l" t="t" r="r" b="b"/>
+            <a:pathLst>
+              <a:path w="120000" h="120000" extrusionOk="0">
+                <a:moveTo>
+                  <a:pt x="0" y="0"/>
+                </a:moveTo>
+                <a:lnTo>
+                  <a:pt x="120000" y="0"/>
+                </a:lnTo>
+                <a:lnTo>
+                  <a:pt x="120000" y="120000"/>
+                </a:lnTo>
+                <a:lnTo>
+                  <a:pt x="0" y="120000"/>
+                </a:lnTo>
+                <a:close/>
+              </a:path>
+            </a:pathLst>
+          </a:custGeom>
+        </p:spPr>
+      </p:sp>
+      <p:sp>
+        <p:nvSpPr>
+          <p:cNvPr id="158" name="Google Shape;158;g3f799dca46_0_39:notes"/>
+          <p:cNvSpPr txBox="1">
+            <a:spLocks noGrp="1"/>
+          </p:cNvSpPr>
+          <p:nvPr>
+            <p:ph type="body" idx="1"/>
+          </p:nvPr>
+        </p:nvSpPr>
+        <p:spPr>
+          <a:xfrm>
+            <a:off x="685800" y="4343400"/>
+            <a:ext cx="5486400" cy="4114800"/>
+          </a:xfrm>
+          <a:prstGeom prst="rect">
+            <a:avLst/>
+          </a:prstGeom>
+        </p:spPr>
+        <p:txBody>
+          <a:bodyPr spcFirstLastPara="1" wrap="square" lIns="91425" tIns="91425" rIns="91425" bIns="91425" anchor="t" anchorCtr="0">
+            <a:noAutofit/>
+          </a:bodyPr>
+          <a:lstStyle/>
+          <a:p>
+            <a:pPr marL="0" lvl="0" indent="0" algn="l" rtl="0">
+              <a:spcBef>
+                <a:spcPts val="0"/>
+              </a:spcBef>
+              <a:spcAft>
+                <a:spcPts val="0"/>
+              </a:spcAft>
+              <a:buNone/>
+            </a:pPr>
+            <a:endParaRPr/>
+          </a:p>
+        </p:txBody>
+      </p:sp>
+    </p:spTree>
+    <p:extLst>
+      <p:ext uri="{BB962C8B-B14F-4D97-AF65-F5344CB8AC3E}">
+        <p14:creationId xmlns:p14="http://schemas.microsoft.com/office/powerpoint/2010/main" val="1545780305"/>
+      </p:ext>
+    </p:extLst>
   </p:cSld>
   <p:clrMapOvr>
     <a:masterClrMapping/>
@@ -8085,6 +8195,201 @@
 </p:sld>
 </file>
 
+<file path=ppt/slides/slide12.xml><?xml version="1.0" encoding="utf-8"?>
+<p:sld xmlns:a="http://schemas.openxmlformats.org/drawingml/2006/main" xmlns:r="http://schemas.openxmlformats.org/officeDocument/2006/relationships" xmlns:p="http://schemas.openxmlformats.org/presentationml/2006/main">
+  <p:cSld>
+    <p:spTree>
+      <p:nvGrpSpPr>
+        <p:cNvPr id="1" name="Shape 159"/>
+        <p:cNvGrpSpPr/>
+        <p:nvPr/>
+      </p:nvGrpSpPr>
+      <p:grpSpPr>
+        <a:xfrm>
+          <a:off x="0" y="0"/>
+          <a:ext cx="0" cy="0"/>
+          <a:chOff x="0" y="0"/>
+          <a:chExt cx="0" cy="0"/>
+        </a:xfrm>
+      </p:grpSpPr>
+      <p:sp>
+        <p:nvSpPr>
+          <p:cNvPr id="160" name="Google Shape;160;p26"/>
+          <p:cNvSpPr txBox="1"/>
+          <p:nvPr/>
+        </p:nvSpPr>
+        <p:spPr>
+          <a:xfrm>
+            <a:off x="0" y="1849057"/>
+            <a:ext cx="8914500" cy="2918400"/>
+          </a:xfrm>
+          <a:prstGeom prst="rect">
+            <a:avLst/>
+          </a:prstGeom>
+          <a:noFill/>
+          <a:ln>
+            <a:noFill/>
+          </a:ln>
+        </p:spPr>
+        <p:txBody>
+          <a:bodyPr spcFirstLastPara="1" wrap="square" lIns="91425" tIns="91425" rIns="91425" bIns="91425" anchor="t" anchorCtr="0">
+            <a:noAutofit/>
+          </a:bodyPr>
+          <a:lstStyle/>
+          <a:p>
+            <a:pPr marL="457200" lvl="0" indent="-387350" algn="l" rtl="0">
+              <a:lnSpc>
+                <a:spcPct val="115000"/>
+              </a:lnSpc>
+              <a:spcBef>
+                <a:spcPts val="0"/>
+              </a:spcBef>
+              <a:spcAft>
+                <a:spcPts val="0"/>
+              </a:spcAft>
+              <a:buSzPts val="2500"/>
+              <a:buChar char="●"/>
+            </a:pPr>
+            <a:r>
+              <a:rPr lang="en-US" sz="2500" dirty="0"/>
+              <a:t>World poverty with Death rate</a:t>
+            </a:r>
+            <a:endParaRPr sz="2500" dirty="0"/>
+          </a:p>
+          <a:p>
+            <a:pPr marL="457200" lvl="0" indent="-387350" algn="l" rtl="0">
+              <a:lnSpc>
+                <a:spcPct val="115000"/>
+              </a:lnSpc>
+              <a:spcBef>
+                <a:spcPts val="0"/>
+              </a:spcBef>
+              <a:spcAft>
+                <a:spcPts val="0"/>
+              </a:spcAft>
+              <a:buSzPts val="2500"/>
+              <a:buChar char="●"/>
+            </a:pPr>
+            <a:r>
+              <a:rPr lang="en-US" sz="2500" dirty="0"/>
+              <a:t>How education effect the Death rate</a:t>
+            </a:r>
+          </a:p>
+          <a:p>
+            <a:pPr marL="457200" lvl="0" indent="-387350" algn="l" rtl="0">
+              <a:lnSpc>
+                <a:spcPct val="115000"/>
+              </a:lnSpc>
+              <a:spcBef>
+                <a:spcPts val="0"/>
+              </a:spcBef>
+              <a:spcAft>
+                <a:spcPts val="0"/>
+              </a:spcAft>
+              <a:buSzPts val="2500"/>
+              <a:buChar char="●"/>
+            </a:pPr>
+            <a:r>
+              <a:rPr lang="en-US" sz="2500" dirty="0"/>
+              <a:t>And Overdose Drug</a:t>
+            </a:r>
+            <a:endParaRPr sz="2500" dirty="0"/>
+          </a:p>
+        </p:txBody>
+      </p:sp>
+      <p:sp>
+        <p:nvSpPr>
+          <p:cNvPr id="161" name="Google Shape;161;p26"/>
+          <p:cNvSpPr txBox="1"/>
+          <p:nvPr/>
+        </p:nvSpPr>
+        <p:spPr>
+          <a:xfrm>
+            <a:off x="187825" y="81875"/>
+            <a:ext cx="8382000" cy="722400"/>
+          </a:xfrm>
+          <a:prstGeom prst="rect">
+            <a:avLst/>
+          </a:prstGeom>
+          <a:noFill/>
+          <a:ln>
+            <a:noFill/>
+          </a:ln>
+        </p:spPr>
+        <p:txBody>
+          <a:bodyPr spcFirstLastPara="1" wrap="square" lIns="91425" tIns="91425" rIns="91425" bIns="91425" anchor="t" anchorCtr="0">
+            <a:noAutofit/>
+          </a:bodyPr>
+          <a:lstStyle/>
+          <a:p>
+            <a:pPr marL="0" lvl="0" indent="0" algn="l" rtl="0">
+              <a:spcBef>
+                <a:spcPts val="0"/>
+              </a:spcBef>
+              <a:spcAft>
+                <a:spcPts val="0"/>
+              </a:spcAft>
+              <a:buNone/>
+            </a:pPr>
+            <a:endParaRPr sz="3500"/>
+          </a:p>
+        </p:txBody>
+      </p:sp>
+      <p:sp>
+        <p:nvSpPr>
+          <p:cNvPr id="162" name="Google Shape;162;p26"/>
+          <p:cNvSpPr txBox="1">
+            <a:spLocks noGrp="1"/>
+          </p:cNvSpPr>
+          <p:nvPr>
+            <p:ph type="title"/>
+          </p:nvPr>
+        </p:nvSpPr>
+        <p:spPr>
+          <a:xfrm>
+            <a:off x="471900" y="738725"/>
+            <a:ext cx="8222100" cy="767700"/>
+          </a:xfrm>
+          <a:prstGeom prst="rect">
+            <a:avLst/>
+          </a:prstGeom>
+        </p:spPr>
+        <p:txBody>
+          <a:bodyPr spcFirstLastPara="1" wrap="square" lIns="91425" tIns="91425" rIns="91425" bIns="91425" anchor="b" anchorCtr="0">
+            <a:noAutofit/>
+          </a:bodyPr>
+          <a:lstStyle/>
+          <a:p>
+            <a:pPr marL="0" lvl="0" indent="0" algn="l" rtl="0">
+              <a:spcBef>
+                <a:spcPts val="0"/>
+              </a:spcBef>
+              <a:spcAft>
+                <a:spcPts val="0"/>
+              </a:spcAft>
+              <a:buNone/>
+            </a:pPr>
+            <a:r>
+              <a:rPr lang="en-US" dirty="0"/>
+              <a:t>Coming Soon </a:t>
+            </a:r>
+            <a:endParaRPr dirty="0"/>
+          </a:p>
+        </p:txBody>
+      </p:sp>
+    </p:spTree>
+    <p:extLst>
+      <p:ext uri="{BB962C8B-B14F-4D97-AF65-F5344CB8AC3E}">
+        <p14:creationId xmlns:p14="http://schemas.microsoft.com/office/powerpoint/2010/main" val="1820059077"/>
+      </p:ext>
+    </p:extLst>
+  </p:cSld>
+  <p:clrMapOvr>
+    <a:masterClrMapping/>
+  </p:clrMapOvr>
+</p:sld>
+</file>
+
 <file path=ppt/slides/slide2.xml><?xml version="1.0" encoding="utf-8"?>
 <p:sld xmlns:a="http://schemas.openxmlformats.org/drawingml/2006/main" xmlns:r="http://schemas.openxmlformats.org/officeDocument/2006/relationships" xmlns:p="http://schemas.openxmlformats.org/presentationml/2006/main">
   <p:cSld>
@@ -8484,6 +8789,7 @@
       <p:pic>
         <p:nvPicPr>
           <p:cNvPr id="3" name="Picture 2">
+            <a:hlinkClick r:id="rId2"/>
             <a:extLst>
               <a:ext uri="{FF2B5EF4-FFF2-40B4-BE49-F238E27FC236}">
                 <a16:creationId xmlns:a16="http://schemas.microsoft.com/office/drawing/2014/main" id="{E757B222-A214-4C0E-873A-F79AC005FF1D}"/>
@@ -8496,7 +8802,7 @@
           <p:nvPr/>
         </p:nvPicPr>
         <p:blipFill>
-          <a:blip r:embed="rId2"/>
+          <a:blip r:embed="rId3"/>
           <a:stretch>
             <a:fillRect/>
           </a:stretch>
@@ -8784,6 +9090,7 @@
       <p:pic>
         <p:nvPicPr>
           <p:cNvPr id="3" name="Picture 2">
+            <a:hlinkClick r:id="rId2"/>
             <a:extLst>
               <a:ext uri="{FF2B5EF4-FFF2-40B4-BE49-F238E27FC236}">
                 <a16:creationId xmlns:a16="http://schemas.microsoft.com/office/drawing/2014/main" id="{0E8F49BB-1FCD-4BCE-9A03-56D764BADDEB}"/>
@@ -8796,7 +9103,7 @@
           <p:nvPr/>
         </p:nvPicPr>
         <p:blipFill>
-          <a:blip r:embed="rId2"/>
+          <a:blip r:embed="rId3"/>
           <a:stretch>
             <a:fillRect/>
           </a:stretch>
@@ -8895,6 +9202,7 @@
       <p:pic>
         <p:nvPicPr>
           <p:cNvPr id="5" name="Google Shape;136;p22">
+            <a:hlinkClick r:id="rId4"/>
             <a:extLst>
               <a:ext uri="{FF2B5EF4-FFF2-40B4-BE49-F238E27FC236}">
                 <a16:creationId xmlns:a16="http://schemas.microsoft.com/office/drawing/2014/main" id="{E648A7C0-0369-484E-9892-E8A1B50A007E}"/>
@@ -8905,7 +9213,7 @@
           <p:nvPr/>
         </p:nvPicPr>
         <p:blipFill>
-          <a:blip r:embed="rId4">
+          <a:blip r:embed="rId5">
             <a:alphaModFix/>
           </a:blip>
           <a:stretch>

--- a/Mortality_project.pptx
+++ b/Mortality_project.pptx
@@ -8276,22 +8276,37 @@
             </a:r>
           </a:p>
           <a:p>
-            <a:pPr marL="457200" lvl="0" indent="-387350" algn="l" rtl="0">
+            <a:pPr marL="457200" lvl="0" indent="-387350">
               <a:lnSpc>
                 <a:spcPct val="115000"/>
               </a:lnSpc>
-              <a:spcBef>
-                <a:spcPts val="0"/>
-              </a:spcBef>
-              <a:spcAft>
-                <a:spcPts val="0"/>
-              </a:spcAft>
               <a:buSzPts val="2500"/>
               <a:buChar char="●"/>
             </a:pPr>
             <a:r>
               <a:rPr lang="en-US" sz="2500" dirty="0"/>
-              <a:t>And Overdose Drug</a:t>
+              <a:t>Overdose Drug </a:t>
+            </a:r>
+          </a:p>
+          <a:p>
+            <a:pPr marL="457200" lvl="0" indent="-387350">
+              <a:lnSpc>
+                <a:spcPct val="115000"/>
+              </a:lnSpc>
+              <a:buSzPts val="2500"/>
+              <a:buChar char="●"/>
+            </a:pPr>
+            <a:r>
+              <a:rPr lang="en-US" sz="2500" dirty="0"/>
+              <a:t>Marijuana </a:t>
+            </a:r>
+            <a:r>
+              <a:rPr lang="en-US" sz="2500"/>
+              <a:t>related death for </a:t>
+            </a:r>
+            <a:r>
+              <a:rPr lang="en-US" sz="2500" dirty="0"/>
+              <a:t>treatment vs Recreation  </a:t>
             </a:r>
             <a:endParaRPr sz="2500" dirty="0"/>
           </a:p>
